--- a/주제발표.pptx
+++ b/주제발표.pptx
@@ -1,6 +1,6 @@
 
 <file path=ppt/presentation.xml><?xml version="1.0" encoding="utf-8"?>
-<p:presentation xmlns:a="http://schemas.openxmlformats.org/drawingml/2006/main" xmlns:r="http://schemas.openxmlformats.org/officeDocument/2006/relationships" xmlns:p="http://schemas.openxmlformats.org/presentationml/2006/main" saveSubsetFonts="1">
+<p:presentation xmlns:a="http://schemas.openxmlformats.org/drawingml/2006/main" xmlns:r="http://schemas.openxmlformats.org/officeDocument/2006/relationships" xmlns:p="http://schemas.openxmlformats.org/presentationml/2006/main" embedTrueTypeFonts="1" saveSubsetFonts="1">
   <p:sldMasterIdLst>
     <p:sldMasterId id="2147483648" r:id="rId4"/>
   </p:sldMasterIdLst>
@@ -13,6 +13,30 @@
   </p:sldIdLst>
   <p:sldSz cx="12192000" cy="6858000"/>
   <p:notesSz cx="6858000" cy="9144000"/>
+  <p:embeddedFontLst>
+    <p:embeddedFont>
+      <p:font typeface="나눔바른고딕" panose="020B0603020101020101" pitchFamily="50" charset="-127"/>
+      <p:regular r:id="rId10"/>
+      <p:bold r:id="rId11"/>
+    </p:embeddedFont>
+    <p:embeddedFont>
+      <p:font typeface="맑은 고딕" panose="020B0503020000020004" pitchFamily="50" charset="-127"/>
+      <p:regular r:id="rId12"/>
+      <p:bold r:id="rId13"/>
+    </p:embeddedFont>
+    <p:embeddedFont>
+      <p:font typeface="배달의민족 한나체 Pro" panose="020B0600000101010101" pitchFamily="50" charset="-127"/>
+      <p:regular r:id="rId14"/>
+    </p:embeddedFont>
+    <p:embeddedFont>
+      <p:font typeface="Arial Black" panose="020B0A04020102020204" pitchFamily="34" charset="0"/>
+      <p:bold r:id="rId15"/>
+    </p:embeddedFont>
+    <p:embeddedFont>
+      <p:font typeface="Bradley Hand ITC" panose="03070402050302030203" pitchFamily="66" charset="0"/>
+      <p:regular r:id="rId16"/>
+    </p:embeddedFont>
+  </p:embeddedFontLst>
   <p:defaultTextStyle>
     <a:defPPr>
       <a:defRPr lang="ko-KR"/>
@@ -282,7 +306,7 @@
           <a:p>
             <a:fld id="{6406F72A-BCEB-4096-8399-5EB22D610FB5}" type="datetimeFigureOut">
               <a:rPr lang="ko-KR" altLang="en-US" smtClean="0"/>
-              <a:t>2020-04-21</a:t>
+              <a:t>2020-04-22</a:t>
             </a:fld>
             <a:endParaRPr lang="ko-KR" altLang="en-US"/>
           </a:p>
@@ -480,7 +504,7 @@
           <a:p>
             <a:fld id="{6406F72A-BCEB-4096-8399-5EB22D610FB5}" type="datetimeFigureOut">
               <a:rPr lang="ko-KR" altLang="en-US" smtClean="0"/>
-              <a:t>2020-04-21</a:t>
+              <a:t>2020-04-22</a:t>
             </a:fld>
             <a:endParaRPr lang="ko-KR" altLang="en-US"/>
           </a:p>
@@ -688,7 +712,7 @@
           <a:p>
             <a:fld id="{6406F72A-BCEB-4096-8399-5EB22D610FB5}" type="datetimeFigureOut">
               <a:rPr lang="ko-KR" altLang="en-US" smtClean="0"/>
-              <a:t>2020-04-21</a:t>
+              <a:t>2020-04-22</a:t>
             </a:fld>
             <a:endParaRPr lang="ko-KR" altLang="en-US"/>
           </a:p>
@@ -886,7 +910,7 @@
           <a:p>
             <a:fld id="{6406F72A-BCEB-4096-8399-5EB22D610FB5}" type="datetimeFigureOut">
               <a:rPr lang="ko-KR" altLang="en-US" smtClean="0"/>
-              <a:t>2020-04-21</a:t>
+              <a:t>2020-04-22</a:t>
             </a:fld>
             <a:endParaRPr lang="ko-KR" altLang="en-US"/>
           </a:p>
@@ -1161,7 +1185,7 @@
           <a:p>
             <a:fld id="{6406F72A-BCEB-4096-8399-5EB22D610FB5}" type="datetimeFigureOut">
               <a:rPr lang="ko-KR" altLang="en-US" smtClean="0"/>
-              <a:t>2020-04-21</a:t>
+              <a:t>2020-04-22</a:t>
             </a:fld>
             <a:endParaRPr lang="ko-KR" altLang="en-US"/>
           </a:p>
@@ -1426,7 +1450,7 @@
           <a:p>
             <a:fld id="{6406F72A-BCEB-4096-8399-5EB22D610FB5}" type="datetimeFigureOut">
               <a:rPr lang="ko-KR" altLang="en-US" smtClean="0"/>
-              <a:t>2020-04-21</a:t>
+              <a:t>2020-04-22</a:t>
             </a:fld>
             <a:endParaRPr lang="ko-KR" altLang="en-US"/>
           </a:p>
@@ -1838,7 +1862,7 @@
           <a:p>
             <a:fld id="{6406F72A-BCEB-4096-8399-5EB22D610FB5}" type="datetimeFigureOut">
               <a:rPr lang="ko-KR" altLang="en-US" smtClean="0"/>
-              <a:t>2020-04-21</a:t>
+              <a:t>2020-04-22</a:t>
             </a:fld>
             <a:endParaRPr lang="ko-KR" altLang="en-US"/>
           </a:p>
@@ -1979,7 +2003,7 @@
           <a:p>
             <a:fld id="{6406F72A-BCEB-4096-8399-5EB22D610FB5}" type="datetimeFigureOut">
               <a:rPr lang="ko-KR" altLang="en-US" smtClean="0"/>
-              <a:t>2020-04-21</a:t>
+              <a:t>2020-04-22</a:t>
             </a:fld>
             <a:endParaRPr lang="ko-KR" altLang="en-US"/>
           </a:p>
@@ -2092,7 +2116,7 @@
           <a:p>
             <a:fld id="{6406F72A-BCEB-4096-8399-5EB22D610FB5}" type="datetimeFigureOut">
               <a:rPr lang="ko-KR" altLang="en-US" smtClean="0"/>
-              <a:t>2020-04-21</a:t>
+              <a:t>2020-04-22</a:t>
             </a:fld>
             <a:endParaRPr lang="ko-KR" altLang="en-US"/>
           </a:p>
@@ -2403,7 +2427,7 @@
           <a:p>
             <a:fld id="{6406F72A-BCEB-4096-8399-5EB22D610FB5}" type="datetimeFigureOut">
               <a:rPr lang="ko-KR" altLang="en-US" smtClean="0"/>
-              <a:t>2020-04-21</a:t>
+              <a:t>2020-04-22</a:t>
             </a:fld>
             <a:endParaRPr lang="ko-KR" altLang="en-US"/>
           </a:p>
@@ -2691,7 +2715,7 @@
           <a:p>
             <a:fld id="{6406F72A-BCEB-4096-8399-5EB22D610FB5}" type="datetimeFigureOut">
               <a:rPr lang="ko-KR" altLang="en-US" smtClean="0"/>
-              <a:t>2020-04-21</a:t>
+              <a:t>2020-04-22</a:t>
             </a:fld>
             <a:endParaRPr lang="ko-KR" altLang="en-US"/>
           </a:p>
@@ -2932,7 +2956,7 @@
           <a:p>
             <a:fld id="{6406F72A-BCEB-4096-8399-5EB22D610FB5}" type="datetimeFigureOut">
               <a:rPr lang="ko-KR" altLang="en-US" smtClean="0"/>
-              <a:t>2020-04-21</a:t>
+              <a:t>2020-04-22</a:t>
             </a:fld>
             <a:endParaRPr lang="ko-KR" altLang="en-US"/>
           </a:p>
@@ -7645,6 +7669,21 @@
 </file>
 
 <file path=customXml/item1.xml><?xml version="1.0" encoding="utf-8"?>
+<?mso-contentType ?>
+<FormTemplates xmlns="http://schemas.microsoft.com/sharepoint/v3/contenttype/forms">
+  <Display>DocumentLibraryForm</Display>
+  <Edit>DocumentLibraryForm</Edit>
+  <New>DocumentLibraryForm</New>
+</FormTemplates>
+</file>
+
+<file path=customXml/item2.xml><?xml version="1.0" encoding="utf-8"?>
+<p:properties xmlns:p="http://schemas.microsoft.com/office/2006/metadata/properties" xmlns:xsi="http://www.w3.org/2001/XMLSchema-instance" xmlns:pc="http://schemas.microsoft.com/office/infopath/2007/PartnerControls">
+  <documentManagement/>
+</p:properties>
+</file>
+
+<file path=customXml/item3.xml><?xml version="1.0" encoding="utf-8"?>
 <ct:contentTypeSchema xmlns:ct="http://schemas.microsoft.com/office/2006/metadata/contentType" xmlns:ma="http://schemas.microsoft.com/office/2006/metadata/properties/metaAttributes" ct:_="" ma:_="" ma:contentTypeName="Document" ma:contentTypeID="0x01010024AD46CF414A9C4E9F2A2AF943A49712" ma:contentTypeVersion="2" ma:contentTypeDescription="Create a new document." ma:contentTypeScope="" ma:versionID="4605e34157afab85e2d576c2a1189bcc">
   <xsd:schema xmlns:xsd="http://www.w3.org/2001/XMLSchema" xmlns:xs="http://www.w3.org/2001/XMLSchema" xmlns:p="http://schemas.microsoft.com/office/2006/metadata/properties" xmlns:ns3="c5fd75e9-5041-49cd-88f6-73577f1b3bf4" targetNamespace="http://schemas.microsoft.com/office/2006/metadata/properties" ma:root="true" ma:fieldsID="ec045e6a93946339dd464c9ec08c0489" ns3:_="">
     <xsd:import namespace="c5fd75e9-5041-49cd-88f6-73577f1b3bf4"/>
@@ -7776,22 +7815,31 @@
 </ct:contentTypeSchema>
 </file>
 
-<file path=customXml/item2.xml><?xml version="1.0" encoding="utf-8"?>
-<p:properties xmlns:p="http://schemas.microsoft.com/office/2006/metadata/properties" xmlns:xsi="http://www.w3.org/2001/XMLSchema-instance" xmlns:pc="http://schemas.microsoft.com/office/infopath/2007/PartnerControls">
-  <documentManagement/>
-</p:properties>
+<file path=customXml/itemProps1.xml><?xml version="1.0" encoding="utf-8"?>
+<ds:datastoreItem xmlns:ds="http://schemas.openxmlformats.org/officeDocument/2006/customXml" ds:itemID="{33AEF283-C87B-4685-9F5F-67806F187FB1}">
+  <ds:schemaRefs>
+    <ds:schemaRef ds:uri="http://schemas.microsoft.com/sharepoint/v3/contenttype/forms"/>
+  </ds:schemaRefs>
+</ds:datastoreItem>
 </file>
 
-<file path=customXml/item3.xml><?xml version="1.0" encoding="utf-8"?>
-<?mso-contentType ?>
-<FormTemplates xmlns="http://schemas.microsoft.com/sharepoint/v3/contenttype/forms">
-  <Display>DocumentLibraryForm</Display>
-  <Edit>DocumentLibraryForm</Edit>
-  <New>DocumentLibraryForm</New>
-</FormTemplates>
+<file path=customXml/itemProps2.xml><?xml version="1.0" encoding="utf-8"?>
+<ds:datastoreItem xmlns:ds="http://schemas.openxmlformats.org/officeDocument/2006/customXml" ds:itemID="{12ED4158-7664-4023-9181-89327EE5618E}">
+  <ds:schemaRefs>
+    <ds:schemaRef ds:uri="http://schemas.microsoft.com/office/2006/metadata/properties"/>
+    <ds:schemaRef ds:uri="http://purl.org/dc/terms/"/>
+    <ds:schemaRef ds:uri="http://schemas.openxmlformats.org/package/2006/metadata/core-properties"/>
+    <ds:schemaRef ds:uri="http://purl.org/dc/dcmitype/"/>
+    <ds:schemaRef ds:uri="http://schemas.microsoft.com/office/infopath/2007/PartnerControls"/>
+    <ds:schemaRef ds:uri="http://schemas.microsoft.com/office/2006/documentManagement/types"/>
+    <ds:schemaRef ds:uri="c5fd75e9-5041-49cd-88f6-73577f1b3bf4"/>
+    <ds:schemaRef ds:uri="http://www.w3.org/XML/1998/namespace"/>
+    <ds:schemaRef ds:uri="http://purl.org/dc/elements/1.1/"/>
+  </ds:schemaRefs>
+</ds:datastoreItem>
 </file>
 
-<file path=customXml/itemProps1.xml><?xml version="1.0" encoding="utf-8"?>
+<file path=customXml/itemProps3.xml><?xml version="1.0" encoding="utf-8"?>
 <ds:datastoreItem xmlns:ds="http://schemas.openxmlformats.org/officeDocument/2006/customXml" ds:itemID="{459222BF-E077-4D4E-AA73-D8933C774CB6}">
   <ds:schemaRefs>
     <ds:schemaRef ds:uri="http://schemas.microsoft.com/office/2006/metadata/contentType"/>
@@ -7807,28 +7855,4 @@
     <ds:schemaRef ds:uri="http://schemas.microsoft.com/internal/obd"/>
   </ds:schemaRefs>
 </ds:datastoreItem>
-</file>
-
-<file path=customXml/itemProps2.xml><?xml version="1.0" encoding="utf-8"?>
-<ds:datastoreItem xmlns:ds="http://schemas.openxmlformats.org/officeDocument/2006/customXml" ds:itemID="{12ED4158-7664-4023-9181-89327EE5618E}">
-  <ds:schemaRefs>
-    <ds:schemaRef ds:uri="http://schemas.microsoft.com/office/2006/metadata/properties"/>
-    <ds:schemaRef ds:uri="http://schemas.microsoft.com/office/2006/documentManagement/types"/>
-    <ds:schemaRef ds:uri="http://schemas.openxmlformats.org/package/2006/metadata/core-properties"/>
-    <ds:schemaRef ds:uri="http://purl.org/dc/dcmitype/"/>
-    <ds:schemaRef ds:uri="http://schemas.microsoft.com/office/infopath/2007/PartnerControls"/>
-    <ds:schemaRef ds:uri="http://purl.org/dc/elements/1.1/"/>
-    <ds:schemaRef ds:uri="c5fd75e9-5041-49cd-88f6-73577f1b3bf4"/>
-    <ds:schemaRef ds:uri="http://www.w3.org/XML/1998/namespace"/>
-    <ds:schemaRef ds:uri="http://purl.org/dc/terms/"/>
-  </ds:schemaRefs>
-</ds:datastoreItem>
-</file>
-
-<file path=customXml/itemProps3.xml><?xml version="1.0" encoding="utf-8"?>
-<ds:datastoreItem xmlns:ds="http://schemas.openxmlformats.org/officeDocument/2006/customXml" ds:itemID="{33AEF283-C87B-4685-9F5F-67806F187FB1}">
-  <ds:schemaRefs>
-    <ds:schemaRef ds:uri="http://schemas.microsoft.com/sharepoint/v3/contenttype/forms"/>
-  </ds:schemaRefs>
-</ds:datastoreItem>
 </file>